--- a/doc/BigPipe.pptx
+++ b/doc/BigPipe.pptx
@@ -6,11 +6,8 @@
   </p:sldMasterIdLst>
   <p:sldIdLst>
     <p:sldId id="258" r:id="rId3"/>
-    <p:sldId id="265" r:id="rId4"/>
-    <p:sldId id="257" r:id="rId5"/>
-    <p:sldId id="262" r:id="rId6"/>
-    <p:sldId id="266" r:id="rId7"/>
-    <p:sldId id="260" r:id="rId8"/>
+    <p:sldId id="257" r:id="rId4"/>
+    <p:sldId id="256" r:id="rId5"/>
   </p:sldIdLst>
   <p:sldSz cx="12192000" cy="6858000"/>
   <p:notesSz cx="6858000" cy="9144000"/>
@@ -3776,48 +3773,6 @@
       <p:grpSpPr/>
       <p:pic>
         <p:nvPicPr>
-          <p:cNvPr id="4" name="图片 3" descr="11"/>
-          <p:cNvPicPr>
-            <a:picLocks noChangeAspect="1"/>
-          </p:cNvPicPr>
-          <p:nvPr/>
-        </p:nvPicPr>
-        <p:blipFill>
-          <a:blip r:embed="rId1"/>
-          <a:stretch>
-            <a:fillRect/>
-          </a:stretch>
-        </p:blipFill>
-        <p:spPr>
-          <a:xfrm>
-            <a:off x="1066800" y="698500"/>
-            <a:ext cx="10058400" cy="5461000"/>
-          </a:xfrm>
-          <a:prstGeom prst="rect">
-            <a:avLst/>
-          </a:prstGeom>
-        </p:spPr>
-      </p:pic>
-    </p:spTree>
-  </p:cSld>
-  <p:clrMapOvr>
-    <a:masterClrMapping/>
-  </p:clrMapOvr>
-</p:sld>
-</file>
-
-<file path=ppt/slides/slide3.xml><?xml version="1.0" encoding="utf-8"?>
-<p:sld xmlns:a="http://schemas.openxmlformats.org/drawingml/2006/main" xmlns:r="http://schemas.openxmlformats.org/officeDocument/2006/relationships" xmlns:p="http://schemas.openxmlformats.org/presentationml/2006/main">
-  <p:cSld>
-    <p:spTree>
-      <p:nvGrpSpPr>
-        <p:cNvPr id="1" name=""/>
-        <p:cNvGrpSpPr/>
-        <p:nvPr/>
-      </p:nvGrpSpPr>
-      <p:grpSpPr/>
-      <p:pic>
-        <p:nvPicPr>
           <p:cNvPr id="4" name="图片 3" descr="13"/>
           <p:cNvPicPr>
             <a:picLocks noChangeAspect="1"/>
@@ -3848,7 +3803,7 @@
 </p:sld>
 </file>
 
-<file path=ppt/slides/slide4.xml><?xml version="1.0" encoding="utf-8"?>
+<file path=ppt/slides/slide3.xml><?xml version="1.0" encoding="utf-8"?>
 <p:sld xmlns:a="http://schemas.openxmlformats.org/drawingml/2006/main" xmlns:r="http://schemas.openxmlformats.org/officeDocument/2006/relationships" xmlns:p="http://schemas.openxmlformats.org/presentationml/2006/main">
   <p:cSld>
     <p:spTree>
@@ -3858,130 +3813,6 @@
         <p:nvPr/>
       </p:nvGrpSpPr>
       <p:grpSpPr/>
-      <p:grpSp>
-        <p:nvGrpSpPr>
-          <p:cNvPr id="41" name="组合 40"/>
-          <p:cNvGrpSpPr/>
-          <p:nvPr/>
-        </p:nvGrpSpPr>
-        <p:grpSpPr>
-          <a:xfrm>
-            <a:off x="4828540" y="3115945"/>
-            <a:ext cx="6263640" cy="642620"/>
-            <a:chOff x="7604" y="4332"/>
-            <a:chExt cx="9864" cy="1012"/>
-          </a:xfrm>
-        </p:grpSpPr>
-        <p:sp>
-          <p:nvSpPr>
-            <p:cNvPr id="40" name="文本框 39"/>
-            <p:cNvSpPr txBox="1"/>
-            <p:nvPr/>
-          </p:nvSpPr>
-          <p:spPr>
-            <a:xfrm>
-              <a:off x="10736" y="4332"/>
-              <a:ext cx="3548" cy="1012"/>
-            </a:xfrm>
-            <a:prstGeom prst="rect">
-              <a:avLst/>
-            </a:prstGeom>
-            <a:noFill/>
-          </p:spPr>
-          <p:txBody>
-            <a:bodyPr wrap="none" rtlCol="0">
-              <a:spAutoFit/>
-            </a:bodyPr>
-            <a:p>
-              <a:r>
-                <a:rPr lang="en-US" altLang="zh-CN">
-                  <a:solidFill>
-                    <a:srgbClr val="FF0000"/>
-                  </a:solidFill>
-                </a:rPr>
-                <a:t>5</a:t>
-              </a:r>
-              <a:r>
-                <a:rPr lang="zh-CN" altLang="en-US">
-                  <a:solidFill>
-                    <a:srgbClr val="FF0000"/>
-                  </a:solidFill>
-                </a:rPr>
-                <a:t>、执行侧栏查询</a:t>
-              </a:r>
-              <a:r>
-                <a:rPr lang="en-US" altLang="zh-CN">
-                  <a:solidFill>
-                    <a:srgbClr val="FF0000"/>
-                  </a:solidFill>
-                </a:rPr>
-                <a:t>SQL</a:t>
-              </a:r>
-              <a:endParaRPr lang="en-US" altLang="zh-CN">
-                <a:solidFill>
-                  <a:srgbClr val="FF0000"/>
-                </a:solidFill>
-              </a:endParaRPr>
-            </a:p>
-            <a:p>
-              <a:r>
-                <a:rPr lang="zh-CN" altLang="en-US">
-                  <a:solidFill>
-                    <a:srgbClr val="FF0000"/>
-                  </a:solidFill>
-                </a:rPr>
-                <a:t>生成并发送侧栏导航</a:t>
-              </a:r>
-              <a:endParaRPr lang="zh-CN" altLang="en-US">
-                <a:solidFill>
-                  <a:srgbClr val="FF0000"/>
-                </a:solidFill>
-              </a:endParaRPr>
-            </a:p>
-          </p:txBody>
-        </p:sp>
-        <p:cxnSp>
-          <p:nvCxnSpPr>
-            <p:cNvPr id="39" name="肘形连接符 38"/>
-            <p:cNvCxnSpPr>
-              <a:stCxn id="21" idx="2"/>
-              <a:endCxn id="14" idx="3"/>
-            </p:cNvCxnSpPr>
-            <p:nvPr/>
-          </p:nvCxnSpPr>
-          <p:spPr>
-            <a:xfrm rot="5400000">
-              <a:off x="12350" y="195"/>
-              <a:ext cx="371" cy="9864"/>
-            </a:xfrm>
-            <a:prstGeom prst="bentConnector2">
-              <a:avLst/>
-            </a:prstGeom>
-            <a:ln w="38100">
-              <a:solidFill>
-                <a:schemeClr val="accent1">
-                  <a:lumMod val="75000"/>
-                </a:schemeClr>
-              </a:solidFill>
-              <a:tailEnd type="arrow"/>
-            </a:ln>
-          </p:spPr>
-          <p:style>
-            <a:lnRef idx="1">
-              <a:schemeClr val="accent1"/>
-            </a:lnRef>
-            <a:fillRef idx="0">
-              <a:schemeClr val="accent1"/>
-            </a:fillRef>
-            <a:effectRef idx="0">
-              <a:schemeClr val="accent1"/>
-            </a:effectRef>
-            <a:fontRef idx="minor">
-              <a:schemeClr val="tx1"/>
-            </a:fontRef>
-          </p:style>
-        </p:cxnSp>
-      </p:grpSp>
       <p:pic>
         <p:nvPicPr>
           <p:cNvPr id="18" name="图片 17"/>
@@ -4436,7 +4267,7 @@
         </p:nvGrpSpPr>
         <p:grpSpPr>
           <a:xfrm>
-            <a:off x="6599555" y="2901315"/>
+            <a:off x="6599555" y="2947035"/>
             <a:ext cx="4491990" cy="814070"/>
             <a:chOff x="10393" y="4066"/>
             <a:chExt cx="7074" cy="1282"/>
@@ -4560,10 +4391,10 @@
         </p:nvGrpSpPr>
         <p:grpSpPr>
           <a:xfrm>
-            <a:off x="6599555" y="2958465"/>
-            <a:ext cx="4492625" cy="792480"/>
-            <a:chOff x="10393" y="4108"/>
-            <a:chExt cx="7075" cy="1248"/>
+            <a:off x="6599555" y="3034665"/>
+            <a:ext cx="4492625" cy="731520"/>
+            <a:chOff x="10393" y="4204"/>
+            <a:chExt cx="7075" cy="1152"/>
           </a:xfrm>
         </p:grpSpPr>
         <p:cxnSp>
@@ -4615,7 +4446,7 @@
           </p:nvSpPr>
           <p:spPr>
             <a:xfrm>
-              <a:off x="10934" y="4108"/>
+              <a:off x="10934" y="4204"/>
               <a:ext cx="3548" cy="1012"/>
             </a:xfrm>
             <a:prstGeom prst="rect">
@@ -4666,6 +4497,130 @@
                   </a:solidFill>
                 </a:rPr>
                 <a:t>生成并发送链接导航</a:t>
+              </a:r>
+              <a:endParaRPr lang="zh-CN" altLang="en-US">
+                <a:solidFill>
+                  <a:srgbClr val="FF0000"/>
+                </a:solidFill>
+              </a:endParaRPr>
+            </a:p>
+          </p:txBody>
+        </p:sp>
+      </p:grpSp>
+      <p:grpSp>
+        <p:nvGrpSpPr>
+          <p:cNvPr id="41" name="组合 40"/>
+          <p:cNvGrpSpPr/>
+          <p:nvPr/>
+        </p:nvGrpSpPr>
+        <p:grpSpPr>
+          <a:xfrm>
+            <a:off x="4828540" y="3115945"/>
+            <a:ext cx="6263640" cy="642620"/>
+            <a:chOff x="7604" y="4332"/>
+            <a:chExt cx="9864" cy="1012"/>
+          </a:xfrm>
+        </p:grpSpPr>
+        <p:cxnSp>
+          <p:nvCxnSpPr>
+            <p:cNvPr id="39" name="肘形连接符 38"/>
+            <p:cNvCxnSpPr>
+              <a:stCxn id="21" idx="2"/>
+              <a:endCxn id="14" idx="3"/>
+            </p:cNvCxnSpPr>
+            <p:nvPr/>
+          </p:nvCxnSpPr>
+          <p:spPr>
+            <a:xfrm rot="5400000">
+              <a:off x="12350" y="195"/>
+              <a:ext cx="371" cy="9864"/>
+            </a:xfrm>
+            <a:prstGeom prst="bentConnector2">
+              <a:avLst/>
+            </a:prstGeom>
+            <a:ln w="38100">
+              <a:solidFill>
+                <a:schemeClr val="accent1">
+                  <a:lumMod val="75000"/>
+                </a:schemeClr>
+              </a:solidFill>
+              <a:tailEnd type="arrow"/>
+            </a:ln>
+          </p:spPr>
+          <p:style>
+            <a:lnRef idx="1">
+              <a:schemeClr val="accent1"/>
+            </a:lnRef>
+            <a:fillRef idx="0">
+              <a:schemeClr val="accent1"/>
+            </a:fillRef>
+            <a:effectRef idx="0">
+              <a:schemeClr val="accent1"/>
+            </a:effectRef>
+            <a:fontRef idx="minor">
+              <a:schemeClr val="tx1"/>
+            </a:fontRef>
+          </p:style>
+        </p:cxnSp>
+        <p:sp>
+          <p:nvSpPr>
+            <p:cNvPr id="40" name="文本框 39"/>
+            <p:cNvSpPr txBox="1"/>
+            <p:nvPr/>
+          </p:nvSpPr>
+          <p:spPr>
+            <a:xfrm>
+              <a:off x="10736" y="4332"/>
+              <a:ext cx="3548" cy="1012"/>
+            </a:xfrm>
+            <a:prstGeom prst="rect">
+              <a:avLst/>
+            </a:prstGeom>
+            <a:noFill/>
+          </p:spPr>
+          <p:txBody>
+            <a:bodyPr wrap="none" rtlCol="0">
+              <a:spAutoFit/>
+            </a:bodyPr>
+            <a:p>
+              <a:r>
+                <a:rPr lang="en-US" altLang="zh-CN">
+                  <a:solidFill>
+                    <a:srgbClr val="FF0000"/>
+                  </a:solidFill>
+                </a:rPr>
+                <a:t>5</a:t>
+              </a:r>
+              <a:r>
+                <a:rPr lang="zh-CN" altLang="en-US">
+                  <a:solidFill>
+                    <a:srgbClr val="FF0000"/>
+                  </a:solidFill>
+                </a:rPr>
+                <a:t>、执行侧栏查询</a:t>
+              </a:r>
+              <a:r>
+                <a:rPr lang="en-US" altLang="zh-CN">
+                  <a:solidFill>
+                    <a:srgbClr val="FF0000"/>
+                  </a:solidFill>
+                </a:rPr>
+                <a:t>SQL</a:t>
+              </a:r>
+              <a:endParaRPr lang="en-US" altLang="zh-CN">
+                <a:solidFill>
+                  <a:srgbClr val="FF0000"/>
+                </a:solidFill>
+              </a:endParaRPr>
+            </a:p>
+            <a:p>
+              <a:r>
+                <a:rPr lang="zh-CN" altLang="en-US">
+                  <a:solidFill>
+                    <a:srgbClr val="FF0000"/>
+                  </a:solidFill>
+                </a:rPr>
+                <a:t>生成并发送侧栏导航</a:t>
               </a:r>
               <a:endParaRPr lang="zh-CN" altLang="en-US">
                 <a:solidFill>
@@ -4932,10 +4887,10 @@
         </p:nvGrpSpPr>
         <p:grpSpPr>
           <a:xfrm>
-            <a:off x="3538220" y="5598795"/>
-            <a:ext cx="8418195" cy="1078230"/>
+            <a:off x="3976370" y="5962015"/>
+            <a:ext cx="7888605" cy="749300"/>
             <a:chOff x="6262" y="8955"/>
-            <a:chExt cx="13257" cy="1698"/>
+            <a:chExt cx="12423" cy="1180"/>
           </a:xfrm>
         </p:grpSpPr>
         <p:sp>
@@ -4999,7 +4954,7 @@
           <p:spPr>
             <a:xfrm>
               <a:off x="7411" y="8955"/>
-              <a:ext cx="12108" cy="1698"/>
+              <a:ext cx="11274" cy="1180"/>
             </a:xfrm>
             <a:prstGeom prst="rect">
               <a:avLst/>
@@ -5019,7 +4974,7 @@
               <a:spAutoFit/>
             </a:bodyPr>
             <a:p>
-              <a:pPr algn="l">
+              <a:pPr>
                 <a:lnSpc>
                   <a:spcPct val="120000"/>
                 </a:lnSpc>
@@ -5047,7 +5002,7 @@
               <a:endParaRPr lang="zh-CN" altLang="en-US"/>
             </a:p>
             <a:p>
-              <a:pPr algn="l">
+              <a:pPr>
                 <a:lnSpc>
                   <a:spcPct val="120000"/>
                 </a:lnSpc>
@@ -5065,164 +5020,6 @@
                 <a:t>顺序生成。</a:t>
               </a:r>
               <a:endParaRPr lang="zh-CN" altLang="en-US"/>
-            </a:p>
-            <a:p>
-              <a:pPr algn="l">
-                <a:lnSpc>
-                  <a:spcPct val="120000"/>
-                </a:lnSpc>
-              </a:pPr>
-              <a:r>
-                <a:rPr lang="zh-CN" altLang="en-US" dirty="0">
-                  <a:solidFill>
-                    <a:srgbClr val="FF0000"/>
-                  </a:solidFill>
-                  <a:latin typeface="Arial" panose="020B0604020202020204" pitchFamily="34" charset="0"/>
-                  <a:ea typeface="宋体" panose="02010600030101010101" pitchFamily="2" charset="-122"/>
-                  <a:sym typeface="+mn-ea"/>
-                </a:rPr>
-                <a:t>页面生成时间：Max</a:t>
-              </a:r>
-              <a:r>
-                <a:rPr lang="en-US" altLang="zh-CN" dirty="0">
-                  <a:solidFill>
-                    <a:srgbClr val="FF0000"/>
-                  </a:solidFill>
-                  <a:latin typeface="Arial" panose="020B0604020202020204" pitchFamily="34" charset="0"/>
-                  <a:ea typeface="宋体" panose="02010600030101010101" pitchFamily="2" charset="-122"/>
-                  <a:sym typeface="+mn-ea"/>
-                </a:rPr>
-                <a:t>(</a:t>
-              </a:r>
-              <a:r>
-                <a:rPr lang="zh-CN" altLang="en-US" dirty="0">
-                  <a:solidFill>
-                    <a:srgbClr val="FF0000"/>
-                  </a:solidFill>
-                  <a:latin typeface="Arial" panose="020B0604020202020204" pitchFamily="34" charset="0"/>
-                  <a:ea typeface="宋体" panose="02010600030101010101" pitchFamily="2" charset="-122"/>
-                  <a:sym typeface="+mn-ea"/>
-                </a:rPr>
-                <a:t>Sql1</a:t>
-              </a:r>
-              <a:r>
-                <a:rPr lang="en-US" altLang="zh-CN" dirty="0">
-                  <a:solidFill>
-                    <a:srgbClr val="FF0000"/>
-                  </a:solidFill>
-                  <a:latin typeface="Arial" panose="020B0604020202020204" pitchFamily="34" charset="0"/>
-                  <a:ea typeface="宋体" panose="02010600030101010101" pitchFamily="2" charset="-122"/>
-                  <a:sym typeface="+mn-ea"/>
-                </a:rPr>
-                <a:t>,</a:t>
-              </a:r>
-              <a:r>
-                <a:rPr lang="zh-CN" altLang="en-US" dirty="0">
-                  <a:solidFill>
-                    <a:srgbClr val="FF0000"/>
-                  </a:solidFill>
-                  <a:latin typeface="Arial" panose="020B0604020202020204" pitchFamily="34" charset="0"/>
-                  <a:ea typeface="宋体" panose="02010600030101010101" pitchFamily="2" charset="-122"/>
-                  <a:sym typeface="+mn-ea"/>
-                </a:rPr>
-                <a:t>Sql2</a:t>
-              </a:r>
-              <a:r>
-                <a:rPr lang="en-US" altLang="zh-CN" dirty="0">
-                  <a:solidFill>
-                    <a:srgbClr val="FF0000"/>
-                  </a:solidFill>
-                  <a:latin typeface="Arial" panose="020B0604020202020204" pitchFamily="34" charset="0"/>
-                  <a:ea typeface="宋体" panose="02010600030101010101" pitchFamily="2" charset="-122"/>
-                  <a:sym typeface="Arial" panose="020B0604020202020204" pitchFamily="34" charset="0"/>
-                </a:rPr>
-                <a:t>,</a:t>
-              </a:r>
-              <a:r>
-                <a:rPr lang="zh-CN" altLang="en-US" dirty="0">
-                  <a:solidFill>
-                    <a:srgbClr val="FF0000"/>
-                  </a:solidFill>
-                  <a:latin typeface="Arial" panose="020B0604020202020204" pitchFamily="34" charset="0"/>
-                  <a:ea typeface="宋体" panose="02010600030101010101" pitchFamily="2" charset="-122"/>
-                  <a:sym typeface="+mn-ea"/>
-                </a:rPr>
-                <a:t>Sql3</a:t>
-              </a:r>
-              <a:r>
-                <a:rPr lang="en-US" altLang="zh-CN" dirty="0">
-                  <a:solidFill>
-                    <a:srgbClr val="FF0000"/>
-                  </a:solidFill>
-                  <a:latin typeface="Arial" panose="020B0604020202020204" pitchFamily="34" charset="0"/>
-                  <a:ea typeface="宋体" panose="02010600030101010101" pitchFamily="2" charset="-122"/>
-                  <a:sym typeface="Arial" panose="020B0604020202020204" pitchFamily="34" charset="0"/>
-                </a:rPr>
-                <a:t>,</a:t>
-              </a:r>
-              <a:r>
-                <a:rPr lang="zh-CN" altLang="en-US" dirty="0">
-                  <a:solidFill>
-                    <a:srgbClr val="FF0000"/>
-                  </a:solidFill>
-                  <a:latin typeface="Arial" panose="020B0604020202020204" pitchFamily="34" charset="0"/>
-                  <a:ea typeface="宋体" panose="02010600030101010101" pitchFamily="2" charset="-122"/>
-                  <a:sym typeface="+mn-ea"/>
-                </a:rPr>
-                <a:t>Sql4</a:t>
-              </a:r>
-              <a:r>
-                <a:rPr lang="en-US" altLang="zh-CN" dirty="0">
-                  <a:solidFill>
-                    <a:srgbClr val="FF0000"/>
-                  </a:solidFill>
-                  <a:latin typeface="Arial" panose="020B0604020202020204" pitchFamily="34" charset="0"/>
-                  <a:ea typeface="宋体" panose="02010600030101010101" pitchFamily="2" charset="-122"/>
-                  <a:sym typeface="Arial" panose="020B0604020202020204" pitchFamily="34" charset="0"/>
-                </a:rPr>
-                <a:t>,</a:t>
-              </a:r>
-              <a:r>
-                <a:rPr lang="zh-CN" altLang="en-US" dirty="0">
-                  <a:solidFill>
-                    <a:srgbClr val="FF0000"/>
-                  </a:solidFill>
-                  <a:latin typeface="Arial" panose="020B0604020202020204" pitchFamily="34" charset="0"/>
-                  <a:ea typeface="宋体" panose="02010600030101010101" pitchFamily="2" charset="-122"/>
-                  <a:sym typeface="+mn-ea"/>
-                </a:rPr>
-                <a:t>Sql5</a:t>
-              </a:r>
-              <a:r>
-                <a:rPr lang="en-US" altLang="zh-CN" dirty="0">
-                  <a:solidFill>
-                    <a:srgbClr val="FF0000"/>
-                  </a:solidFill>
-                  <a:latin typeface="Arial" panose="020B0604020202020204" pitchFamily="34" charset="0"/>
-                  <a:ea typeface="宋体" panose="02010600030101010101" pitchFamily="2" charset="-122"/>
-                  <a:sym typeface="+mn-ea"/>
-                </a:rPr>
-                <a:t>)</a:t>
-              </a:r>
-              <a:r>
-                <a:rPr lang="zh-CN" altLang="en-US" dirty="0">
-                  <a:solidFill>
-                    <a:srgbClr val="FF0000"/>
-                  </a:solidFill>
-                  <a:latin typeface="Arial" panose="020B0604020202020204" pitchFamily="34" charset="0"/>
-                  <a:ea typeface="宋体" panose="02010600030101010101" pitchFamily="2" charset="-122"/>
-                  <a:sym typeface="+mn-ea"/>
-                </a:rPr>
-                <a:t>+网络时间+浏览器渲染时间</a:t>
-              </a:r>
-              <a:endParaRPr lang="zh-CN" altLang="en-US" dirty="0">
-                <a:solidFill>
-                  <a:srgbClr val="FF0000"/>
-                </a:solidFill>
-                <a:latin typeface="Arial" panose="020B0604020202020204" pitchFamily="34" charset="0"/>
-                <a:ea typeface="宋体" panose="02010600030101010101" pitchFamily="2" charset="-122"/>
-                <a:sym typeface="+mn-ea"/>
-              </a:endParaRPr>
             </a:p>
           </p:txBody>
         </p:sp>
@@ -5406,18 +5203,6 @@
   <p:clrMapOvr>
     <a:masterClrMapping/>
   </p:clrMapOvr>
-  <mc:AlternateContent xmlns:mc="http://schemas.openxmlformats.org/markup-compatibility/2006">
-    <mc:Choice xmlns:p14="http://schemas.microsoft.com/office/powerpoint/2010/main" Requires="p14">
-      <p:transition spd="med" p14:dur="700">
-        <p:fade/>
-      </p:transition>
-    </mc:Choice>
-    <mc:Fallback>
-      <p:transition spd="med">
-        <p:fade/>
-      </p:transition>
-    </mc:Fallback>
-  </mc:AlternateContent>
   <p:timing>
     <p:tnLst>
       <p:par>
@@ -5856,7 +5641,7 @@
                                   <p:childTnLst>
                                     <p:animEffect transition="out" filter="fade">
                                       <p:cBhvr>
-                                        <p:cTn id="45" dur="500" tmFilter="0, 0; .2, .5; .8, .5; 1, 0"/>
+                                        <p:cTn id="45" dur="indefinite" tmFilter="0, 0; .2, .5; .8, .5; 1, 0"/>
                                         <p:tgtEl>
                                           <p:spTgt spid="38"/>
                                         </p:tgtEl>
@@ -5864,7 +5649,7 @@
                                     </p:animEffect>
                                     <p:animScale>
                                       <p:cBhvr>
-                                        <p:cTn id="46" dur="250" autoRev="1" fill="hold"/>
+                                        <p:cTn id="46" dur="indefinite" autoRev="1" fill="hold"/>
                                         <p:tgtEl>
                                           <p:spTgt spid="38"/>
                                         </p:tgtEl>
@@ -5917,30 +5702,21 @@
                             </p:childTnLst>
                           </p:cTn>
                         </p:par>
-                      </p:childTnLst>
-                    </p:cTn>
-                  </p:par>
-                  <p:par>
-                    <p:cTn id="51" fill="hold">
-                      <p:stCondLst>
-                        <p:cond delay="indefinite"/>
-                      </p:stCondLst>
-                      <p:childTnLst>
                         <p:par>
-                          <p:cTn id="52" fill="hold">
+                          <p:cTn id="51" fill="hold">
                             <p:stCondLst>
-                              <p:cond delay="0"/>
+                              <p:cond delay="500"/>
                             </p:stCondLst>
                             <p:childTnLst>
                               <p:par>
-                                <p:cTn id="53" presetID="1" presetClass="exit" presetSubtype="0" fill="hold" nodeType="clickEffect">
+                                <p:cTn id="52" presetID="1" presetClass="exit" presetSubtype="0" fill="hold" nodeType="afterEffect">
                                   <p:stCondLst>
                                     <p:cond delay="0"/>
                                   </p:stCondLst>
                                   <p:childTnLst>
                                     <p:set>
                                       <p:cBhvr>
-                                        <p:cTn id="54" dur="1" fill="hold">
+                                        <p:cTn id="53" dur="1" fill="hold">
                                           <p:stCondLst>
                                             <p:cond delay="0"/>
                                           </p:stCondLst>
@@ -5963,20 +5739,20 @@
                           </p:cTn>
                         </p:par>
                         <p:par>
-                          <p:cTn id="55" fill="hold">
+                          <p:cTn id="54" fill="hold">
                             <p:stCondLst>
-                              <p:cond delay="0"/>
+                              <p:cond delay="500"/>
                             </p:stCondLst>
                             <p:childTnLst>
                               <p:par>
-                                <p:cTn id="56" presetID="1" presetClass="entr" presetSubtype="0" fill="hold" nodeType="afterEffect">
+                                <p:cTn id="55" presetID="1" presetClass="entr" presetSubtype="0" fill="hold" nodeType="afterEffect">
                                   <p:stCondLst>
                                     <p:cond delay="0"/>
                                   </p:stCondLst>
                                   <p:childTnLst>
                                     <p:set>
                                       <p:cBhvr>
-                                        <p:cTn id="57" dur="1" fill="hold">
+                                        <p:cTn id="56" dur="1" fill="hold">
                                           <p:stCondLst>
                                             <p:cond delay="0"/>
                                           </p:stCondLst>
@@ -5999,20 +5775,20 @@
                           </p:cTn>
                         </p:par>
                         <p:par>
-                          <p:cTn id="58" fill="hold">
+                          <p:cTn id="57" fill="hold">
                             <p:stCondLst>
-                              <p:cond delay="0"/>
+                              <p:cond delay="500"/>
                             </p:stCondLst>
                             <p:childTnLst>
                               <p:par>
-                                <p:cTn id="59" presetID="26" presetClass="emph" presetSubtype="0" fill="hold" nodeType="afterEffect">
+                                <p:cTn id="58" presetID="26" presetClass="emph" presetSubtype="0" fill="hold" nodeType="afterEffect">
                                   <p:stCondLst>
                                     <p:cond delay="0"/>
                                   </p:stCondLst>
                                   <p:childTnLst>
                                     <p:animEffect transition="out" filter="fade">
                                       <p:cBhvr>
-                                        <p:cTn id="60" dur="500" tmFilter="0, 0; .2, .5; .8, .5; 1, 0"/>
+                                        <p:cTn id="59" dur="500" tmFilter="0, 0; .2, .5; .8, .5; 1, 0"/>
                                         <p:tgtEl>
                                           <p:spTgt spid="41"/>
                                         </p:tgtEl>
@@ -6020,7 +5796,7 @@
                                     </p:animEffect>
                                     <p:animScale>
                                       <p:cBhvr>
-                                        <p:cTn id="61" dur="250" autoRev="1" fill="hold"/>
+                                        <p:cTn id="60" dur="250" autoRev="1" fill="hold"/>
                                         <p:tgtEl>
                                           <p:spTgt spid="41"/>
                                         </p:tgtEl>
@@ -6037,26 +5813,26 @@
                     </p:cTn>
                   </p:par>
                   <p:par>
-                    <p:cTn id="62" fill="hold">
+                    <p:cTn id="61" fill="hold">
                       <p:stCondLst>
                         <p:cond delay="indefinite"/>
                       </p:stCondLst>
                       <p:childTnLst>
                         <p:par>
-                          <p:cTn id="63" fill="hold">
+                          <p:cTn id="62" fill="hold">
                             <p:stCondLst>
                               <p:cond delay="0"/>
                             </p:stCondLst>
                             <p:childTnLst>
                               <p:par>
-                                <p:cTn id="64" presetID="35" presetClass="path" presetSubtype="0" accel="50000" decel="50000" fill="hold" nodeType="clickEffect">
+                                <p:cTn id="63" presetID="35" presetClass="path" presetSubtype="0" accel="50000" decel="50000" fill="hold" nodeType="clickEffect">
                                   <p:stCondLst>
                                     <p:cond delay="0"/>
                                   </p:stCondLst>
                                   <p:childTnLst>
                                     <p:animMotion origin="layout" path="M 0.000000 0.000000 L -0.313802 -0.000278 " pathEditMode="relative" rAng="0" ptsTypes="">
                                       <p:cBhvr>
-                                        <p:cTn id="65" dur="500" fill="hold"/>
+                                        <p:cTn id="64" dur="500" fill="hold"/>
                                         <p:tgtEl>
                                           <p:spTgt spid="14"/>
                                         </p:tgtEl>
@@ -6074,20 +5850,20 @@
                           </p:cTn>
                         </p:par>
                         <p:par>
-                          <p:cTn id="66" fill="hold">
+                          <p:cTn id="65" fill="hold">
                             <p:stCondLst>
                               <p:cond delay="500"/>
                             </p:stCondLst>
                             <p:childTnLst>
                               <p:par>
-                                <p:cTn id="67" presetID="1" presetClass="exit" presetSubtype="0" fill="hold" nodeType="afterEffect">
+                                <p:cTn id="66" presetID="1" presetClass="exit" presetSubtype="0" fill="hold" nodeType="afterEffect">
                                   <p:stCondLst>
                                     <p:cond delay="0"/>
                                   </p:stCondLst>
                                   <p:childTnLst>
                                     <p:set>
                                       <p:cBhvr>
-                                        <p:cTn id="68" dur="1" fill="hold">
+                                        <p:cTn id="67" dur="1" fill="hold">
                                           <p:stCondLst>
                                             <p:cond delay="0"/>
                                           </p:stCondLst>
@@ -6110,20 +5886,20 @@
                           </p:cTn>
                         </p:par>
                         <p:par>
-                          <p:cTn id="69" fill="hold">
+                          <p:cTn id="68" fill="hold">
                             <p:stCondLst>
                               <p:cond delay="500"/>
                             </p:stCondLst>
                             <p:childTnLst>
                               <p:par>
-                                <p:cTn id="70" presetID="1" presetClass="entr" presetSubtype="0" fill="hold" nodeType="afterEffect">
+                                <p:cTn id="69" presetID="1" presetClass="entr" presetSubtype="0" fill="hold" nodeType="afterEffect">
                                   <p:stCondLst>
                                     <p:cond delay="0"/>
                                   </p:stCondLst>
                                   <p:childTnLst>
                                     <p:set>
                                       <p:cBhvr>
-                                        <p:cTn id="71" dur="1" fill="hold">
+                                        <p:cTn id="70" dur="1" fill="hold">
                                           <p:stCondLst>
                                             <p:cond delay="0"/>
                                           </p:stCondLst>
@@ -6146,20 +5922,20 @@
                           </p:cTn>
                         </p:par>
                         <p:par>
-                          <p:cTn id="72" fill="hold">
+                          <p:cTn id="71" fill="hold">
                             <p:stCondLst>
                               <p:cond delay="500"/>
                             </p:stCondLst>
                             <p:childTnLst>
                               <p:par>
-                                <p:cTn id="73" presetID="26" presetClass="emph" presetSubtype="0" fill="hold" nodeType="afterEffect">
+                                <p:cTn id="72" presetID="26" presetClass="emph" presetSubtype="0" fill="hold" nodeType="afterEffect">
                                   <p:stCondLst>
                                     <p:cond delay="0"/>
                                   </p:stCondLst>
                                   <p:childTnLst>
                                     <p:animEffect transition="out" filter="fade">
                                       <p:cBhvr>
-                                        <p:cTn id="74" dur="500" tmFilter="0, 0; .2, .5; .8, .5; 1, 0"/>
+                                        <p:cTn id="73" dur="500" tmFilter="0, 0; .2, .5; .8, .5; 1, 0"/>
                                         <p:tgtEl>
                                           <p:spTgt spid="44"/>
                                         </p:tgtEl>
@@ -6167,7 +5943,7 @@
                                     </p:animEffect>
                                     <p:animScale>
                                       <p:cBhvr>
-                                        <p:cTn id="75" dur="250" autoRev="1" fill="hold"/>
+                                        <p:cTn id="74" dur="250" autoRev="1" fill="hold"/>
                                         <p:tgtEl>
                                           <p:spTgt spid="44"/>
                                         </p:tgtEl>
@@ -6184,26 +5960,26 @@
                     </p:cTn>
                   </p:par>
                   <p:par>
-                    <p:cTn id="76" fill="hold">
+                    <p:cTn id="75" fill="hold">
                       <p:stCondLst>
                         <p:cond delay="indefinite"/>
                       </p:stCondLst>
                       <p:childTnLst>
                         <p:par>
-                          <p:cTn id="77" fill="hold">
+                          <p:cTn id="76" fill="hold">
                             <p:stCondLst>
                               <p:cond delay="0"/>
                             </p:stCondLst>
                             <p:childTnLst>
                               <p:par>
-                                <p:cTn id="78" presetID="35" presetClass="path" presetSubtype="0" accel="50000" decel="50000" fill="hold" nodeType="clickEffect">
+                                <p:cTn id="77" presetID="35" presetClass="path" presetSubtype="0" accel="50000" decel="50000" fill="hold" nodeType="clickEffect">
                                   <p:stCondLst>
                                     <p:cond delay="0"/>
                                   </p:stCondLst>
                                   <p:childTnLst>
                                     <p:animMotion origin="layout" path="M 0.000000 0.000000 L -0.313646 -0.002222 " pathEditMode="relative" rAng="0" ptsTypes="">
                                       <p:cBhvr>
-                                        <p:cTn id="79" dur="500" fill="hold"/>
+                                        <p:cTn id="78" dur="500" fill="hold"/>
                                         <p:tgtEl>
                                           <p:spTgt spid="16"/>
                                         </p:tgtEl>
@@ -6221,20 +5997,20 @@
                           </p:cTn>
                         </p:par>
                         <p:par>
-                          <p:cTn id="80" fill="hold">
+                          <p:cTn id="79" fill="hold">
                             <p:stCondLst>
                               <p:cond delay="500"/>
                             </p:stCondLst>
                             <p:childTnLst>
                               <p:par>
-                                <p:cTn id="81" presetID="1" presetClass="exit" presetSubtype="0" fill="hold" nodeType="afterEffect">
+                                <p:cTn id="80" presetID="1" presetClass="exit" presetSubtype="0" fill="hold" nodeType="afterEffect">
                                   <p:stCondLst>
                                     <p:cond delay="0"/>
                                   </p:stCondLst>
                                   <p:childTnLst>
                                     <p:set>
                                       <p:cBhvr>
-                                        <p:cTn id="82" dur="1" fill="hold">
+                                        <p:cTn id="81" dur="1" fill="hold">
                                           <p:stCondLst>
                                             <p:cond delay="0"/>
                                           </p:stCondLst>
@@ -6257,20 +6033,20 @@
                           </p:cTn>
                         </p:par>
                         <p:par>
-                          <p:cTn id="83" fill="hold">
+                          <p:cTn id="82" fill="hold">
                             <p:stCondLst>
                               <p:cond delay="500"/>
                             </p:stCondLst>
                             <p:childTnLst>
                               <p:par>
-                                <p:cTn id="84" presetID="1" presetClass="entr" presetSubtype="0" fill="hold" nodeType="afterEffect">
+                                <p:cTn id="83" presetID="1" presetClass="entr" presetSubtype="0" fill="hold" nodeType="afterEffect">
                                   <p:stCondLst>
                                     <p:cond delay="0"/>
                                   </p:stCondLst>
                                   <p:childTnLst>
                                     <p:set>
                                       <p:cBhvr>
-                                        <p:cTn id="85" dur="1" fill="hold">
+                                        <p:cTn id="84" dur="1" fill="hold">
                                           <p:stCondLst>
                                             <p:cond delay="0"/>
                                           </p:stCondLst>
@@ -6293,20 +6069,20 @@
                           </p:cTn>
                         </p:par>
                         <p:par>
-                          <p:cTn id="86" fill="hold">
+                          <p:cTn id="85" fill="hold">
                             <p:stCondLst>
                               <p:cond delay="500"/>
                             </p:stCondLst>
                             <p:childTnLst>
                               <p:par>
-                                <p:cTn id="87" presetID="26" presetClass="emph" presetSubtype="0" fill="hold" nodeType="afterEffect">
+                                <p:cTn id="86" presetID="26" presetClass="emph" presetSubtype="0" fill="hold" nodeType="afterEffect">
                                   <p:stCondLst>
                                     <p:cond delay="0"/>
                                   </p:stCondLst>
                                   <p:childTnLst>
                                     <p:animEffect transition="out" filter="fade">
                                       <p:cBhvr>
-                                        <p:cTn id="88" dur="500" tmFilter="0, 0; .2, .5; .8, .5; 1, 0"/>
+                                        <p:cTn id="87" dur="500" tmFilter="0, 0; .2, .5; .8, .5; 1, 0"/>
                                         <p:tgtEl>
                                           <p:spTgt spid="47"/>
                                         </p:tgtEl>
@@ -6314,7 +6090,7 @@
                                     </p:animEffect>
                                     <p:animScale>
                                       <p:cBhvr>
-                                        <p:cTn id="89" dur="250" autoRev="1" fill="hold"/>
+                                        <p:cTn id="88" dur="250" autoRev="1" fill="hold"/>
                                         <p:tgtEl>
                                           <p:spTgt spid="47"/>
                                         </p:tgtEl>
@@ -6331,26 +6107,26 @@
                     </p:cTn>
                   </p:par>
                   <p:par>
-                    <p:cTn id="90" fill="hold">
+                    <p:cTn id="89" fill="hold">
                       <p:stCondLst>
                         <p:cond delay="indefinite"/>
                       </p:stCondLst>
                       <p:childTnLst>
                         <p:par>
-                          <p:cTn id="91" fill="hold">
+                          <p:cTn id="90" fill="hold">
                             <p:stCondLst>
                               <p:cond delay="0"/>
                             </p:stCondLst>
                             <p:childTnLst>
                               <p:par>
-                                <p:cTn id="92" presetID="35" presetClass="path" presetSubtype="0" accel="50000" decel="50000" fill="hold" nodeType="clickEffect">
+                                <p:cTn id="91" presetID="35" presetClass="path" presetSubtype="0" accel="50000" decel="50000" fill="hold" nodeType="clickEffect">
                                   <p:stCondLst>
                                     <p:cond delay="0"/>
                                   </p:stCondLst>
                                   <p:childTnLst>
                                     <p:animMotion origin="layout" path="M 0.000000 0.000000 L -0.312344 0.003241 " pathEditMode="relative" rAng="0" ptsTypes="">
                                       <p:cBhvr>
-                                        <p:cTn id="93" dur="500" fill="hold"/>
+                                        <p:cTn id="92" dur="500" fill="hold"/>
                                         <p:tgtEl>
                                           <p:spTgt spid="17"/>
                                         </p:tgtEl>
@@ -6368,20 +6144,20 @@
                           </p:cTn>
                         </p:par>
                         <p:par>
-                          <p:cTn id="94" fill="hold">
+                          <p:cTn id="93" fill="hold">
                             <p:stCondLst>
                               <p:cond delay="500"/>
                             </p:stCondLst>
                             <p:childTnLst>
                               <p:par>
-                                <p:cTn id="95" presetID="1" presetClass="exit" presetSubtype="0" fill="hold" grpId="0" nodeType="afterEffect">
+                                <p:cTn id="94" presetID="1" presetClass="exit" presetSubtype="0" fill="hold" grpId="0" nodeType="afterEffect">
                                   <p:stCondLst>
                                     <p:cond delay="0"/>
                                   </p:stCondLst>
                                   <p:childTnLst>
                                     <p:set>
                                       <p:cBhvr>
-                                        <p:cTn id="96" dur="1" fill="hold">
+                                        <p:cTn id="95" dur="1" fill="hold">
                                           <p:stCondLst>
                                             <p:cond delay="0"/>
                                           </p:stCondLst>
@@ -6404,20 +6180,20 @@
                           </p:cTn>
                         </p:par>
                         <p:par>
-                          <p:cTn id="97" fill="hold">
+                          <p:cTn id="96" fill="hold">
                             <p:stCondLst>
                               <p:cond delay="500"/>
                             </p:stCondLst>
                             <p:childTnLst>
                               <p:par>
-                                <p:cTn id="98" presetID="1" presetClass="exit" presetSubtype="0" fill="hold" nodeType="afterEffect">
+                                <p:cTn id="97" presetID="1" presetClass="exit" presetSubtype="0" fill="hold" nodeType="afterEffect">
                                   <p:stCondLst>
                                     <p:cond delay="0"/>
                                   </p:stCondLst>
                                   <p:childTnLst>
                                     <p:set>
                                       <p:cBhvr>
-                                        <p:cTn id="99" dur="1" fill="hold">
+                                        <p:cTn id="98" dur="1" fill="hold">
                                           <p:stCondLst>
                                             <p:cond delay="0"/>
                                           </p:stCondLst>
@@ -6440,20 +6216,20 @@
                           </p:cTn>
                         </p:par>
                         <p:par>
-                          <p:cTn id="100" fill="hold">
+                          <p:cTn id="99" fill="hold">
                             <p:stCondLst>
                               <p:cond delay="500"/>
                             </p:stCondLst>
                             <p:childTnLst>
                               <p:par>
-                                <p:cTn id="101" presetID="1" presetClass="exit" presetSubtype="0" fill="hold" nodeType="afterEffect">
+                                <p:cTn id="100" presetID="1" presetClass="exit" presetSubtype="0" fill="hold" nodeType="afterEffect">
                                   <p:stCondLst>
                                     <p:cond delay="0"/>
                                   </p:stCondLst>
                                   <p:childTnLst>
                                     <p:set>
                                       <p:cBhvr>
-                                        <p:cTn id="102" dur="1" fill="hold">
+                                        <p:cTn id="101" dur="1" fill="hold">
                                           <p:stCondLst>
                                             <p:cond delay="0"/>
                                           </p:stCondLst>
@@ -6476,20 +6252,20 @@
                           </p:cTn>
                         </p:par>
                         <p:par>
-                          <p:cTn id="103" fill="hold">
+                          <p:cTn id="102" fill="hold">
                             <p:stCondLst>
                               <p:cond delay="500"/>
                             </p:stCondLst>
                             <p:childTnLst>
                               <p:par>
-                                <p:cTn id="104" presetID="2" presetClass="entr" presetSubtype="4" fill="hold" nodeType="afterEffect">
+                                <p:cTn id="103" presetID="2" presetClass="entr" presetSubtype="4" fill="hold" nodeType="afterEffect">
                                   <p:stCondLst>
                                     <p:cond delay="0"/>
                                   </p:stCondLst>
                                   <p:childTnLst>
                                     <p:set>
                                       <p:cBhvr>
-                                        <p:cTn id="105" dur="1" fill="hold">
+                                        <p:cTn id="104" dur="1" fill="hold">
                                           <p:stCondLst>
                                             <p:cond delay="0"/>
                                           </p:stCondLst>
@@ -6507,7 +6283,7 @@
                                     </p:set>
                                     <p:anim calcmode="lin" valueType="num">
                                       <p:cBhvr additive="base">
-                                        <p:cTn id="106" dur="500" fill="hold"/>
+                                        <p:cTn id="105" dur="500" fill="hold"/>
                                         <p:tgtEl>
                                           <p:spTgt spid="52"/>
                                         </p:tgtEl>
@@ -6530,7 +6306,7 @@
                                     </p:anim>
                                     <p:anim calcmode="lin" valueType="num">
                                       <p:cBhvr additive="base">
-                                        <p:cTn id="107" dur="500" fill="hold"/>
+                                        <p:cTn id="106" dur="500" fill="hold"/>
                                         <p:tgtEl>
                                           <p:spTgt spid="52"/>
                                         </p:tgtEl>
@@ -6558,20 +6334,20 @@
                           </p:cTn>
                         </p:par>
                         <p:par>
-                          <p:cTn id="108" fill="hold">
+                          <p:cTn id="107" fill="hold">
                             <p:stCondLst>
                               <p:cond delay="1000"/>
                             </p:stCondLst>
                             <p:childTnLst>
                               <p:par>
-                                <p:cTn id="109" presetID="29" presetClass="exit" presetSubtype="0" fill="hold" nodeType="afterEffect">
+                                <p:cTn id="108" presetID="29" presetClass="exit" presetSubtype="0" fill="hold" nodeType="afterEffect">
                                   <p:stCondLst>
                                     <p:cond delay="4000"/>
                                   </p:stCondLst>
                                   <p:childTnLst>
                                     <p:anim calcmode="lin" valueType="num">
                                       <p:cBhvr>
-                                        <p:cTn id="110" dur="1000"/>
+                                        <p:cTn id="109" dur="1000"/>
                                         <p:tgtEl>
                                           <p:spTgt spid="52"/>
                                         </p:tgtEl>
@@ -6594,7 +6370,7 @@
                                     </p:anim>
                                     <p:anim calcmode="lin" valueType="num">
                                       <p:cBhvr>
-                                        <p:cTn id="111" dur="1000"/>
+                                        <p:cTn id="110" dur="1000"/>
                                         <p:tgtEl>
                                           <p:spTgt spid="52"/>
                                         </p:tgtEl>
@@ -6617,7 +6393,7 @@
                                     </p:anim>
                                     <p:animEffect transition="out" filter="fade">
                                       <p:cBhvr>
-                                        <p:cTn id="112" dur="1000"/>
+                                        <p:cTn id="111" dur="1000"/>
                                         <p:tgtEl>
                                           <p:spTgt spid="52"/>
                                         </p:tgtEl>
@@ -6625,7 +6401,7 @@
                                     </p:animEffect>
                                     <p:set>
                                       <p:cBhvr>
-                                        <p:cTn id="113" dur="1" fill="hold">
+                                        <p:cTn id="112" dur="1" fill="hold">
                                           <p:stCondLst>
                                             <p:cond delay="999"/>
                                           </p:stCondLst>
@@ -6672,247 +6448,9 @@
       </p:par>
     </p:tnLst>
     <p:bldLst>
-      <p:bldP spid="53" grpId="0" bldLvl="0" animBg="1"/>
+      <p:bldP spid="53" grpId="0" animBg="1"/>
     </p:bldLst>
   </p:timing>
-</p:sld>
-</file>
-
-<file path=ppt/slides/slide5.xml><?xml version="1.0" encoding="utf-8"?>
-<p:sld xmlns:a="http://schemas.openxmlformats.org/drawingml/2006/main" xmlns:r="http://schemas.openxmlformats.org/officeDocument/2006/relationships" xmlns:p="http://schemas.openxmlformats.org/presentationml/2006/main">
-  <p:cSld>
-    <p:spTree>
-      <p:nvGrpSpPr>
-        <p:cNvPr id="1" name=""/>
-        <p:cNvGrpSpPr/>
-        <p:nvPr/>
-      </p:nvGrpSpPr>
-      <p:grpSpPr/>
-      <p:pic>
-        <p:nvPicPr>
-          <p:cNvPr id="4" name="图片 3" descr="12"/>
-          <p:cNvPicPr>
-            <a:picLocks noChangeAspect="1"/>
-          </p:cNvPicPr>
-          <p:nvPr/>
-        </p:nvPicPr>
-        <p:blipFill>
-          <a:blip r:embed="rId1"/>
-          <a:stretch>
-            <a:fillRect/>
-          </a:stretch>
-        </p:blipFill>
-        <p:spPr>
-          <a:xfrm>
-            <a:off x="1066800" y="693420"/>
-            <a:ext cx="10058400" cy="5471160"/>
-          </a:xfrm>
-          <a:prstGeom prst="rect">
-            <a:avLst/>
-          </a:prstGeom>
-        </p:spPr>
-      </p:pic>
-    </p:spTree>
-  </p:cSld>
-  <p:clrMapOvr>
-    <a:masterClrMapping/>
-  </p:clrMapOvr>
-</p:sld>
-</file>
-
-<file path=ppt/slides/slide6.xml><?xml version="1.0" encoding="utf-8"?>
-<p:sld xmlns:a="http://schemas.openxmlformats.org/drawingml/2006/main" xmlns:r="http://schemas.openxmlformats.org/officeDocument/2006/relationships" xmlns:p="http://schemas.openxmlformats.org/presentationml/2006/main">
-  <p:cSld>
-    <p:spTree>
-      <p:nvGrpSpPr>
-        <p:cNvPr id="1" name=""/>
-        <p:cNvGrpSpPr/>
-        <p:nvPr/>
-      </p:nvGrpSpPr>
-      <p:grpSpPr/>
-      <p:sp>
-        <p:nvSpPr>
-          <p:cNvPr id="9" name="右大括号 8"/>
-          <p:cNvSpPr/>
-          <p:nvPr/>
-        </p:nvSpPr>
-        <p:spPr>
-          <a:xfrm>
-            <a:off x="7424420" y="834390"/>
-            <a:ext cx="332740" cy="645795"/>
-          </a:xfrm>
-          <a:prstGeom prst="rightBrace">
-            <a:avLst/>
-          </a:prstGeom>
-          <a:ln w="38100">
-            <a:solidFill>
-              <a:schemeClr val="accent1">
-                <a:lumMod val="75000"/>
-              </a:schemeClr>
-            </a:solidFill>
-          </a:ln>
-        </p:spPr>
-        <p:style>
-          <a:lnRef idx="1">
-            <a:schemeClr val="accent1"/>
-          </a:lnRef>
-          <a:fillRef idx="0">
-            <a:schemeClr val="accent1"/>
-          </a:fillRef>
-          <a:effectRef idx="0">
-            <a:schemeClr val="accent1"/>
-          </a:effectRef>
-          <a:fontRef idx="minor">
-            <a:schemeClr val="tx1"/>
-          </a:fontRef>
-        </p:style>
-        <p:txBody>
-          <a:bodyPr rtlCol="0" anchor="ctr"/>
-          <a:p>
-            <a:pPr algn="ctr"/>
-            <a:endParaRPr lang="zh-CN" altLang="en-US"/>
-          </a:p>
-        </p:txBody>
-      </p:sp>
-      <p:sp>
-        <p:nvSpPr>
-          <p:cNvPr id="10" name="右大括号 9"/>
-          <p:cNvSpPr/>
-          <p:nvPr/>
-        </p:nvSpPr>
-        <p:spPr>
-          <a:xfrm>
-            <a:off x="7448550" y="1633855"/>
-            <a:ext cx="332740" cy="1068070"/>
-          </a:xfrm>
-          <a:prstGeom prst="rightBrace">
-            <a:avLst/>
-          </a:prstGeom>
-          <a:ln w="38100">
-            <a:solidFill>
-              <a:schemeClr val="accent1">
-                <a:lumMod val="75000"/>
-              </a:schemeClr>
-            </a:solidFill>
-          </a:ln>
-        </p:spPr>
-        <p:style>
-          <a:lnRef idx="1">
-            <a:schemeClr val="accent1"/>
-          </a:lnRef>
-          <a:fillRef idx="0">
-            <a:schemeClr val="accent1"/>
-          </a:fillRef>
-          <a:effectRef idx="0">
-            <a:schemeClr val="accent1"/>
-          </a:effectRef>
-          <a:fontRef idx="minor">
-            <a:schemeClr val="tx1"/>
-          </a:fontRef>
-        </p:style>
-        <p:txBody>
-          <a:bodyPr rtlCol="0" anchor="ctr"/>
-          <a:p>
-            <a:pPr algn="ctr"/>
-            <a:endParaRPr lang="zh-CN" altLang="en-US"/>
-          </a:p>
-        </p:txBody>
-      </p:sp>
-      <p:sp>
-        <p:nvSpPr>
-          <p:cNvPr id="11" name="右大括号 10"/>
-          <p:cNvSpPr/>
-          <p:nvPr/>
-        </p:nvSpPr>
-        <p:spPr>
-          <a:xfrm>
-            <a:off x="7448550" y="3488055"/>
-            <a:ext cx="332740" cy="2352675"/>
-          </a:xfrm>
-          <a:prstGeom prst="rightBrace">
-            <a:avLst/>
-          </a:prstGeom>
-          <a:ln w="38100">
-            <a:solidFill>
-              <a:schemeClr val="accent1">
-                <a:lumMod val="75000"/>
-              </a:schemeClr>
-            </a:solidFill>
-          </a:ln>
-        </p:spPr>
-        <p:style>
-          <a:lnRef idx="1">
-            <a:schemeClr val="accent1"/>
-          </a:lnRef>
-          <a:fillRef idx="0">
-            <a:schemeClr val="accent1"/>
-          </a:fillRef>
-          <a:effectRef idx="0">
-            <a:schemeClr val="accent1"/>
-          </a:effectRef>
-          <a:fontRef idx="minor">
-            <a:schemeClr val="tx1"/>
-          </a:fontRef>
-        </p:style>
-        <p:txBody>
-          <a:bodyPr rtlCol="0" anchor="ctr"/>
-          <a:p>
-            <a:pPr algn="ctr"/>
-            <a:endParaRPr lang="zh-CN" altLang="en-US"/>
-          </a:p>
-        </p:txBody>
-      </p:sp>
-      <p:graphicFrame>
-        <p:nvGraphicFramePr>
-          <p:cNvPr id="13" name="对象 12"/>
-          <p:cNvGraphicFramePr/>
-          <p:nvPr/>
-        </p:nvGraphicFramePr>
-        <p:xfrm>
-          <a:off x="716915" y="379730"/>
-          <a:ext cx="7308850" cy="6098540"/>
-        </p:xfrm>
-        <a:graphic>
-          <a:graphicData uri="http://schemas.openxmlformats.org/presentationml/2006/ole">
-            <mc:AlternateContent xmlns:mc="http://schemas.openxmlformats.org/markup-compatibility/2006">
-              <mc:Choice xmlns:v="urn:schemas-microsoft-com:vml" Requires="v">
-                <p:oleObj spid="_x0000_s14" name="" r:id="rId1" imgW="7019925" imgH="5857875" progId="Paint.Picture">
-                  <p:embed/>
-                </p:oleObj>
-              </mc:Choice>
-              <mc:Fallback>
-                <p:oleObj name="" r:id="rId1" imgW="7019925" imgH="5857875" progId="Paint.Picture">
-                  <p:embed/>
-                  <p:pic>
-                    <p:nvPicPr>
-                      <p:cNvPr id="0" name="图片 13"/>
-                      <p:cNvPicPr/>
-                      <p:nvPr/>
-                    </p:nvPicPr>
-                    <p:blipFill>
-                      <a:blip r:embed="rId2"/>
-                    </p:blipFill>
-                    <p:spPr>
-                      <a:xfrm>
-                        <a:off x="716915" y="379730"/>
-                        <a:ext cx="7308850" cy="6098540"/>
-                      </a:xfrm>
-                      <a:prstGeom prst="rect">
-                        <a:avLst/>
-                      </a:prstGeom>
-                    </p:spPr>
-                  </p:pic>
-                </p:oleObj>
-              </mc:Fallback>
-            </mc:AlternateContent>
-          </a:graphicData>
-        </a:graphic>
-      </p:graphicFrame>
-    </p:spTree>
-  </p:cSld>
-  <p:clrMapOvr>
-    <a:masterClrMapping/>
-  </p:clrMapOvr>
 </p:sld>
 </file>
 
